--- a/Campus Hack 2021.pptx
+++ b/Campus Hack 2021.pptx
@@ -16,11 +16,12 @@
     <p:sldId id="262" r:id="rId10"/>
     <p:sldId id="263" r:id="rId11"/>
     <p:sldId id="264" r:id="rId12"/>
-    <p:sldId id="267" r:id="rId13"/>
-    <p:sldId id="265" r:id="rId14"/>
-    <p:sldId id="271" r:id="rId15"/>
-    <p:sldId id="272" r:id="rId16"/>
-    <p:sldId id="273" r:id="rId17"/>
+    <p:sldId id="265" r:id="rId13"/>
+    <p:sldId id="274" r:id="rId14"/>
+    <p:sldId id="267" r:id="rId15"/>
+    <p:sldId id="271" r:id="rId16"/>
+    <p:sldId id="272" r:id="rId17"/>
+    <p:sldId id="273" r:id="rId18"/>
   </p:sldIdLst>
   <p:sldSz cx="12192000" cy="6858000"/>
   <p:notesSz cx="6858000" cy="9144000"/>
@@ -119,7 +120,311 @@
       </a:defRPr>
     </a:lvl9pPr>
   </p:defaultTextStyle>
+  <p:extLst>
+    <p:ext uri="{EFAFB233-063F-42B5-8137-9DF3F51BA10A}">
+      <p15:sldGuideLst xmlns:p15="http://schemas.microsoft.com/office/powerpoint/2012/main"/>
+    </p:ext>
+  </p:extLst>
 </p:presentation>
+</file>
+
+<file path=ppt/changesInfos/changesInfo1.xml><?xml version="1.0" encoding="utf-8"?>
+<pc:chgInfo xmlns:a="http://schemas.openxmlformats.org/drawingml/2006/main" xmlns:r="http://schemas.openxmlformats.org/officeDocument/2006/relationships" xmlns:ac="http://schemas.microsoft.com/office/drawing/2013/main/command" xmlns:pc="http://schemas.microsoft.com/office/powerpoint/2013/main/command">
+  <pc:docChgLst>
+    <pc:chgData name="Kushagra Rode" userId="512f66be-0e09-407d-be31-5bc91a949fdf" providerId="ADAL" clId="{58021BCC-9451-415D-B1E3-EAC372E4E59A}"/>
+    <pc:docChg chg="custSel addSld delSld modSld sldOrd">
+      <pc:chgData name="Kushagra Rode" userId="512f66be-0e09-407d-be31-5bc91a949fdf" providerId="ADAL" clId="{58021BCC-9451-415D-B1E3-EAC372E4E59A}" dt="2021-03-07T16:32:16.943" v="225" actId="14100"/>
+      <pc:docMkLst>
+        <pc:docMk/>
+      </pc:docMkLst>
+      <pc:sldChg chg="addSp delSp modSp mod">
+        <pc:chgData name="Kushagra Rode" userId="512f66be-0e09-407d-be31-5bc91a949fdf" providerId="ADAL" clId="{58021BCC-9451-415D-B1E3-EAC372E4E59A}" dt="2021-03-07T16:31:18.253" v="214" actId="14100"/>
+        <pc:sldMkLst>
+          <pc:docMk/>
+          <pc:sldMk cId="16531146" sldId="258"/>
+        </pc:sldMkLst>
+        <pc:spChg chg="add del mod">
+          <ac:chgData name="Kushagra Rode" userId="512f66be-0e09-407d-be31-5bc91a949fdf" providerId="ADAL" clId="{58021BCC-9451-415D-B1E3-EAC372E4E59A}" dt="2021-03-07T16:31:13.344" v="212" actId="931"/>
+          <ac:spMkLst>
+            <pc:docMk/>
+            <pc:sldMk cId="16531146" sldId="258"/>
+            <ac:spMk id="5" creationId="{C8079A73-BB37-47FD-A246-EBB824D9A4BF}"/>
+          </ac:spMkLst>
+        </pc:spChg>
+        <pc:picChg chg="del">
+          <ac:chgData name="Kushagra Rode" userId="512f66be-0e09-407d-be31-5bc91a949fdf" providerId="ADAL" clId="{58021BCC-9451-415D-B1E3-EAC372E4E59A}" dt="2021-03-07T16:31:03.575" v="211" actId="478"/>
+          <ac:picMkLst>
+            <pc:docMk/>
+            <pc:sldMk cId="16531146" sldId="258"/>
+            <ac:picMk id="6" creationId="{58F06A4A-286A-4790-A209-61D6ABC4A5B7}"/>
+          </ac:picMkLst>
+        </pc:picChg>
+        <pc:picChg chg="add mod">
+          <ac:chgData name="Kushagra Rode" userId="512f66be-0e09-407d-be31-5bc91a949fdf" providerId="ADAL" clId="{58021BCC-9451-415D-B1E3-EAC372E4E59A}" dt="2021-03-07T16:31:18.253" v="214" actId="14100"/>
+          <ac:picMkLst>
+            <pc:docMk/>
+            <pc:sldMk cId="16531146" sldId="258"/>
+            <ac:picMk id="8" creationId="{B54E679A-BFF4-4CFE-B8E5-73707D993A7C}"/>
+          </ac:picMkLst>
+        </pc:picChg>
+      </pc:sldChg>
+      <pc:sldChg chg="addSp delSp modSp mod">
+        <pc:chgData name="Kushagra Rode" userId="512f66be-0e09-407d-be31-5bc91a949fdf" providerId="ADAL" clId="{58021BCC-9451-415D-B1E3-EAC372E4E59A}" dt="2021-03-07T16:31:49.913" v="224" actId="27636"/>
+        <pc:sldMkLst>
+          <pc:docMk/>
+          <pc:sldMk cId="2697834009" sldId="260"/>
+        </pc:sldMkLst>
+        <pc:spChg chg="mod">
+          <ac:chgData name="Kushagra Rode" userId="512f66be-0e09-407d-be31-5bc91a949fdf" providerId="ADAL" clId="{58021BCC-9451-415D-B1E3-EAC372E4E59A}" dt="2021-03-07T15:56:05.843" v="35" actId="20577"/>
+          <ac:spMkLst>
+            <pc:docMk/>
+            <pc:sldMk cId="2697834009" sldId="260"/>
+            <ac:spMk id="2" creationId="{41B48537-7AE3-40CB-A0D5-9AB05C9597CA}"/>
+          </ac:spMkLst>
+        </pc:spChg>
+        <pc:spChg chg="mod">
+          <ac:chgData name="Kushagra Rode" userId="512f66be-0e09-407d-be31-5bc91a949fdf" providerId="ADAL" clId="{58021BCC-9451-415D-B1E3-EAC372E4E59A}" dt="2021-03-07T16:31:49.913" v="224" actId="27636"/>
+          <ac:spMkLst>
+            <pc:docMk/>
+            <pc:sldMk cId="2697834009" sldId="260"/>
+            <ac:spMk id="3" creationId="{BB2EDE6F-0CD1-4F0B-B578-14A44442D111}"/>
+          </ac:spMkLst>
+        </pc:spChg>
+        <pc:spChg chg="del">
+          <ac:chgData name="Kushagra Rode" userId="512f66be-0e09-407d-be31-5bc91a949fdf" providerId="ADAL" clId="{58021BCC-9451-415D-B1E3-EAC372E4E59A}" dt="2021-03-07T16:00:08.340" v="61" actId="931"/>
+          <ac:spMkLst>
+            <pc:docMk/>
+            <pc:sldMk cId="2697834009" sldId="260"/>
+            <ac:spMk id="4" creationId="{67A6D467-2483-4B22-871A-09D2C4BAA0E1}"/>
+          </ac:spMkLst>
+        </pc:spChg>
+        <pc:picChg chg="add mod">
+          <ac:chgData name="Kushagra Rode" userId="512f66be-0e09-407d-be31-5bc91a949fdf" providerId="ADAL" clId="{58021BCC-9451-415D-B1E3-EAC372E4E59A}" dt="2021-03-07T16:00:17.426" v="64" actId="14100"/>
+          <ac:picMkLst>
+            <pc:docMk/>
+            <pc:sldMk cId="2697834009" sldId="260"/>
+            <ac:picMk id="6" creationId="{FB90A71B-E1A3-4A6C-BBA5-1034D2D5BA92}"/>
+          </ac:picMkLst>
+        </pc:picChg>
+      </pc:sldChg>
+      <pc:sldChg chg="addSp delSp modSp mod">
+        <pc:chgData name="Kushagra Rode" userId="512f66be-0e09-407d-be31-5bc91a949fdf" providerId="ADAL" clId="{58021BCC-9451-415D-B1E3-EAC372E4E59A}" dt="2021-03-07T16:13:00.740" v="83" actId="14100"/>
+        <pc:sldMkLst>
+          <pc:docMk/>
+          <pc:sldMk cId="2711636058" sldId="262"/>
+        </pc:sldMkLst>
+        <pc:spChg chg="mod">
+          <ac:chgData name="Kushagra Rode" userId="512f66be-0e09-407d-be31-5bc91a949fdf" providerId="ADAL" clId="{58021BCC-9451-415D-B1E3-EAC372E4E59A}" dt="2021-03-07T16:05:18.939" v="79" actId="20577"/>
+          <ac:spMkLst>
+            <pc:docMk/>
+            <pc:sldMk cId="2711636058" sldId="262"/>
+            <ac:spMk id="3" creationId="{BB5E767E-7E1D-40C5-831A-44AD04EE0B65}"/>
+          </ac:spMkLst>
+        </pc:spChg>
+        <pc:spChg chg="del mod">
+          <ac:chgData name="Kushagra Rode" userId="512f66be-0e09-407d-be31-5bc91a949fdf" providerId="ADAL" clId="{58021BCC-9451-415D-B1E3-EAC372E4E59A}" dt="2021-03-07T16:08:58.548" v="80" actId="931"/>
+          <ac:spMkLst>
+            <pc:docMk/>
+            <pc:sldMk cId="2711636058" sldId="262"/>
+            <ac:spMk id="4" creationId="{957C8859-574E-4683-9F65-67C26A816B7B}"/>
+          </ac:spMkLst>
+        </pc:spChg>
+        <pc:picChg chg="add mod">
+          <ac:chgData name="Kushagra Rode" userId="512f66be-0e09-407d-be31-5bc91a949fdf" providerId="ADAL" clId="{58021BCC-9451-415D-B1E3-EAC372E4E59A}" dt="2021-03-07T16:13:00.740" v="83" actId="14100"/>
+          <ac:picMkLst>
+            <pc:docMk/>
+            <pc:sldMk cId="2711636058" sldId="262"/>
+            <ac:picMk id="6" creationId="{04F0D1BE-ED71-478C-AC8D-361015DBB63F}"/>
+          </ac:picMkLst>
+        </pc:picChg>
+      </pc:sldChg>
+      <pc:sldChg chg="addSp delSp modSp mod">
+        <pc:chgData name="Kushagra Rode" userId="512f66be-0e09-407d-be31-5bc91a949fdf" providerId="ADAL" clId="{58021BCC-9451-415D-B1E3-EAC372E4E59A}" dt="2021-03-07T16:18:00.518" v="89" actId="14100"/>
+        <pc:sldMkLst>
+          <pc:docMk/>
+          <pc:sldMk cId="4216658988" sldId="263"/>
+        </pc:sldMkLst>
+        <pc:spChg chg="del">
+          <ac:chgData name="Kushagra Rode" userId="512f66be-0e09-407d-be31-5bc91a949fdf" providerId="ADAL" clId="{58021BCC-9451-415D-B1E3-EAC372E4E59A}" dt="2021-03-07T16:17:43.174" v="84" actId="931"/>
+          <ac:spMkLst>
+            <pc:docMk/>
+            <pc:sldMk cId="4216658988" sldId="263"/>
+            <ac:spMk id="4" creationId="{66F33A8B-29DB-4A57-BA06-9BCCC1D278F5}"/>
+          </ac:spMkLst>
+        </pc:spChg>
+        <pc:picChg chg="add mod">
+          <ac:chgData name="Kushagra Rode" userId="512f66be-0e09-407d-be31-5bc91a949fdf" providerId="ADAL" clId="{58021BCC-9451-415D-B1E3-EAC372E4E59A}" dt="2021-03-07T16:18:00.518" v="89" actId="14100"/>
+          <ac:picMkLst>
+            <pc:docMk/>
+            <pc:sldMk cId="4216658988" sldId="263"/>
+            <ac:picMk id="6" creationId="{F42424E2-18D7-4EF6-871B-C063ED0CA489}"/>
+          </ac:picMkLst>
+        </pc:picChg>
+      </pc:sldChg>
+      <pc:sldChg chg="addSp delSp modSp mod">
+        <pc:chgData name="Kushagra Rode" userId="512f66be-0e09-407d-be31-5bc91a949fdf" providerId="ADAL" clId="{58021BCC-9451-415D-B1E3-EAC372E4E59A}" dt="2021-03-07T16:20:24.563" v="94" actId="14100"/>
+        <pc:sldMkLst>
+          <pc:docMk/>
+          <pc:sldMk cId="3881913159" sldId="264"/>
+        </pc:sldMkLst>
+        <pc:spChg chg="del">
+          <ac:chgData name="Kushagra Rode" userId="512f66be-0e09-407d-be31-5bc91a949fdf" providerId="ADAL" clId="{58021BCC-9451-415D-B1E3-EAC372E4E59A}" dt="2021-03-07T16:20:14.884" v="90" actId="931"/>
+          <ac:spMkLst>
+            <pc:docMk/>
+            <pc:sldMk cId="3881913159" sldId="264"/>
+            <ac:spMk id="4" creationId="{FDFCEC14-6B6B-4193-9DC5-2BE87C9E8A5E}"/>
+          </ac:spMkLst>
+        </pc:spChg>
+        <pc:picChg chg="add mod">
+          <ac:chgData name="Kushagra Rode" userId="512f66be-0e09-407d-be31-5bc91a949fdf" providerId="ADAL" clId="{58021BCC-9451-415D-B1E3-EAC372E4E59A}" dt="2021-03-07T16:20:24.563" v="94" actId="14100"/>
+          <ac:picMkLst>
+            <pc:docMk/>
+            <pc:sldMk cId="3881913159" sldId="264"/>
+            <ac:picMk id="6" creationId="{3300CEA3-CDD4-4109-8EFA-1B651D76CE09}"/>
+          </ac:picMkLst>
+        </pc:picChg>
+      </pc:sldChg>
+      <pc:sldChg chg="addSp delSp modSp mod">
+        <pc:chgData name="Kushagra Rode" userId="512f66be-0e09-407d-be31-5bc91a949fdf" providerId="ADAL" clId="{58021BCC-9451-415D-B1E3-EAC372E4E59A}" dt="2021-03-07T16:32:16.943" v="225" actId="14100"/>
+        <pc:sldMkLst>
+          <pc:docMk/>
+          <pc:sldMk cId="1280169979" sldId="265"/>
+        </pc:sldMkLst>
+        <pc:spChg chg="del">
+          <ac:chgData name="Kushagra Rode" userId="512f66be-0e09-407d-be31-5bc91a949fdf" providerId="ADAL" clId="{58021BCC-9451-415D-B1E3-EAC372E4E59A}" dt="2021-03-07T16:21:57.094" v="97" actId="931"/>
+          <ac:spMkLst>
+            <pc:docMk/>
+            <pc:sldMk cId="1280169979" sldId="265"/>
+            <ac:spMk id="4" creationId="{B9A97843-D9E7-49E9-B03C-557DF0CDF128}"/>
+          </ac:spMkLst>
+        </pc:spChg>
+        <pc:picChg chg="add mod">
+          <ac:chgData name="Kushagra Rode" userId="512f66be-0e09-407d-be31-5bc91a949fdf" providerId="ADAL" clId="{58021BCC-9451-415D-B1E3-EAC372E4E59A}" dt="2021-03-07T16:32:16.943" v="225" actId="14100"/>
+          <ac:picMkLst>
+            <pc:docMk/>
+            <pc:sldMk cId="1280169979" sldId="265"/>
+            <ac:picMk id="6" creationId="{DEB929B8-0C3B-4D9B-8624-54B80EFF1EC5}"/>
+          </ac:picMkLst>
+        </pc:picChg>
+      </pc:sldChg>
+      <pc:sldChg chg="addSp delSp modSp mod ord">
+        <pc:chgData name="Kushagra Rode" userId="512f66be-0e09-407d-be31-5bc91a949fdf" providerId="ADAL" clId="{58021BCC-9451-415D-B1E3-EAC372E4E59A}" dt="2021-03-07T16:27:02.134" v="204" actId="14100"/>
+        <pc:sldMkLst>
+          <pc:docMk/>
+          <pc:sldMk cId="1275018421" sldId="267"/>
+        </pc:sldMkLst>
+        <pc:spChg chg="mod">
+          <ac:chgData name="Kushagra Rode" userId="512f66be-0e09-407d-be31-5bc91a949fdf" providerId="ADAL" clId="{58021BCC-9451-415D-B1E3-EAC372E4E59A}" dt="2021-03-07T16:25:57.004" v="200" actId="20577"/>
+          <ac:spMkLst>
+            <pc:docMk/>
+            <pc:sldMk cId="1275018421" sldId="267"/>
+            <ac:spMk id="3" creationId="{ECC874FD-812A-4B1B-955F-4904BD65AFA6}"/>
+          </ac:spMkLst>
+        </pc:spChg>
+        <pc:spChg chg="del">
+          <ac:chgData name="Kushagra Rode" userId="512f66be-0e09-407d-be31-5bc91a949fdf" providerId="ADAL" clId="{58021BCC-9451-415D-B1E3-EAC372E4E59A}" dt="2021-03-07T16:26:55.888" v="201" actId="931"/>
+          <ac:spMkLst>
+            <pc:docMk/>
+            <pc:sldMk cId="1275018421" sldId="267"/>
+            <ac:spMk id="4" creationId="{0F0FF8CB-850D-40B4-B8D3-9EF39BC897E8}"/>
+          </ac:spMkLst>
+        </pc:spChg>
+        <pc:picChg chg="add mod">
+          <ac:chgData name="Kushagra Rode" userId="512f66be-0e09-407d-be31-5bc91a949fdf" providerId="ADAL" clId="{58021BCC-9451-415D-B1E3-EAC372E4E59A}" dt="2021-03-07T16:27:02.134" v="204" actId="14100"/>
+          <ac:picMkLst>
+            <pc:docMk/>
+            <pc:sldMk cId="1275018421" sldId="267"/>
+            <ac:picMk id="6" creationId="{1DB1F283-7A93-44BE-81C0-7ACB147BE813}"/>
+          </ac:picMkLst>
+        </pc:picChg>
+      </pc:sldChg>
+      <pc:sldChg chg="modSp mod">
+        <pc:chgData name="Kushagra Rode" userId="512f66be-0e09-407d-be31-5bc91a949fdf" providerId="ADAL" clId="{58021BCC-9451-415D-B1E3-EAC372E4E59A}" dt="2021-03-07T15:52:56.540" v="14" actId="20577"/>
+        <pc:sldMkLst>
+          <pc:docMk/>
+          <pc:sldMk cId="3741945904" sldId="268"/>
+        </pc:sldMkLst>
+        <pc:spChg chg="mod">
+          <ac:chgData name="Kushagra Rode" userId="512f66be-0e09-407d-be31-5bc91a949fdf" providerId="ADAL" clId="{58021BCC-9451-415D-B1E3-EAC372E4E59A}" dt="2021-03-07T15:52:56.540" v="14" actId="20577"/>
+          <ac:spMkLst>
+            <pc:docMk/>
+            <pc:sldMk cId="3741945904" sldId="268"/>
+            <ac:spMk id="3" creationId="{B4EEF45C-B436-4CA7-B924-BFBDFEDE8FCB}"/>
+          </ac:spMkLst>
+        </pc:spChg>
+      </pc:sldChg>
+      <pc:sldChg chg="modSp mod">
+        <pc:chgData name="Kushagra Rode" userId="512f66be-0e09-407d-be31-5bc91a949fdf" providerId="ADAL" clId="{58021BCC-9451-415D-B1E3-EAC372E4E59A}" dt="2021-03-07T16:29:52.505" v="210" actId="20577"/>
+        <pc:sldMkLst>
+          <pc:docMk/>
+          <pc:sldMk cId="3772198146" sldId="271"/>
+        </pc:sldMkLst>
+        <pc:spChg chg="mod">
+          <ac:chgData name="Kushagra Rode" userId="512f66be-0e09-407d-be31-5bc91a949fdf" providerId="ADAL" clId="{58021BCC-9451-415D-B1E3-EAC372E4E59A}" dt="2021-03-07T16:29:52.505" v="210" actId="20577"/>
+          <ac:spMkLst>
+            <pc:docMk/>
+            <pc:sldMk cId="3772198146" sldId="271"/>
+            <ac:spMk id="3" creationId="{7919F39B-D196-4BC5-ADBE-0BD9F84B6237}"/>
+          </ac:spMkLst>
+        </pc:spChg>
+      </pc:sldChg>
+      <pc:sldChg chg="new del">
+        <pc:chgData name="Kushagra Rode" userId="512f66be-0e09-407d-be31-5bc91a949fdf" providerId="ADAL" clId="{58021BCC-9451-415D-B1E3-EAC372E4E59A}" dt="2021-03-07T16:22:42.595" v="101" actId="47"/>
+        <pc:sldMkLst>
+          <pc:docMk/>
+          <pc:sldMk cId="166189978" sldId="274"/>
+        </pc:sldMkLst>
+      </pc:sldChg>
+      <pc:sldChg chg="addSp delSp modSp add mod">
+        <pc:chgData name="Kushagra Rode" userId="512f66be-0e09-407d-be31-5bc91a949fdf" providerId="ADAL" clId="{58021BCC-9451-415D-B1E3-EAC372E4E59A}" dt="2021-03-07T16:25:04.805" v="174" actId="14100"/>
+        <pc:sldMkLst>
+          <pc:docMk/>
+          <pc:sldMk cId="2017110713" sldId="274"/>
+        </pc:sldMkLst>
+        <pc:spChg chg="mod">
+          <ac:chgData name="Kushagra Rode" userId="512f66be-0e09-407d-be31-5bc91a949fdf" providerId="ADAL" clId="{58021BCC-9451-415D-B1E3-EAC372E4E59A}" dt="2021-03-07T16:23:24.574" v="115" actId="20577"/>
+          <ac:spMkLst>
+            <pc:docMk/>
+            <pc:sldMk cId="2017110713" sldId="274"/>
+            <ac:spMk id="2" creationId="{B8D9925A-9F10-4163-B0BC-20DFBC2EAAB0}"/>
+          </ac:spMkLst>
+        </pc:spChg>
+        <pc:spChg chg="mod">
+          <ac:chgData name="Kushagra Rode" userId="512f66be-0e09-407d-be31-5bc91a949fdf" providerId="ADAL" clId="{58021BCC-9451-415D-B1E3-EAC372E4E59A}" dt="2021-03-07T16:24:13.529" v="170" actId="20577"/>
+          <ac:spMkLst>
+            <pc:docMk/>
+            <pc:sldMk cId="2017110713" sldId="274"/>
+            <ac:spMk id="3" creationId="{C07D1F7A-2EE3-45A9-BA1D-CEAA79DF1406}"/>
+          </ac:spMkLst>
+        </pc:spChg>
+        <pc:spChg chg="add del mod">
+          <ac:chgData name="Kushagra Rode" userId="512f66be-0e09-407d-be31-5bc91a949fdf" providerId="ADAL" clId="{58021BCC-9451-415D-B1E3-EAC372E4E59A}" dt="2021-03-07T16:24:58.523" v="171" actId="931"/>
+          <ac:spMkLst>
+            <pc:docMk/>
+            <pc:sldMk cId="2017110713" sldId="274"/>
+            <ac:spMk id="5" creationId="{EACDC155-41CF-4DA4-BDCB-006B92ADF24E}"/>
+          </ac:spMkLst>
+        </pc:spChg>
+        <pc:picChg chg="del mod">
+          <ac:chgData name="Kushagra Rode" userId="512f66be-0e09-407d-be31-5bc91a949fdf" providerId="ADAL" clId="{58021BCC-9451-415D-B1E3-EAC372E4E59A}" dt="2021-03-07T16:23:13.598" v="104" actId="478"/>
+          <ac:picMkLst>
+            <pc:docMk/>
+            <pc:sldMk cId="2017110713" sldId="274"/>
+            <ac:picMk id="6" creationId="{DEB929B8-0C3B-4D9B-8624-54B80EFF1EC5}"/>
+          </ac:picMkLst>
+        </pc:picChg>
+        <pc:picChg chg="add mod">
+          <ac:chgData name="Kushagra Rode" userId="512f66be-0e09-407d-be31-5bc91a949fdf" providerId="ADAL" clId="{58021BCC-9451-415D-B1E3-EAC372E4E59A}" dt="2021-03-07T16:25:04.805" v="174" actId="14100"/>
+          <ac:picMkLst>
+            <pc:docMk/>
+            <pc:sldMk cId="2017110713" sldId="274"/>
+            <ac:picMk id="8" creationId="{D3E051D7-6965-4E87-BF97-21AE52AD4FA6}"/>
+          </ac:picMkLst>
+        </pc:picChg>
+      </pc:sldChg>
+    </pc:docChg>
+  </pc:docChgLst>
+</pc:chgInfo>
 </file>
 
 <file path=ppt/diagrams/colors1.xml><?xml version="1.0" encoding="utf-8"?>
@@ -20161,31 +20466,41 @@
           </a:p>
         </p:txBody>
       </p:sp>
-      <p:sp>
-        <p:nvSpPr>
-          <p:cNvPr id="4" name="Content Placeholder 3">
+      <p:pic>
+        <p:nvPicPr>
+          <p:cNvPr id="6" name="Content Placeholder 5">
             <a:extLst>
               <a:ext uri="{FF2B5EF4-FFF2-40B4-BE49-F238E27FC236}">
-                <a16:creationId xmlns:a16="http://schemas.microsoft.com/office/drawing/2014/main" id="{66F33A8B-29DB-4A57-BA06-9BCCC1D278F5}"/>
+                <a16:creationId xmlns:a16="http://schemas.microsoft.com/office/drawing/2014/main" id="{F42424E2-18D7-4EF6-871B-C063ED0CA489}"/>
               </a:ext>
             </a:extLst>
           </p:cNvPr>
-          <p:cNvSpPr>
-            <a:spLocks noGrp="1"/>
-          </p:cNvSpPr>
+          <p:cNvPicPr>
+            <a:picLocks noGrp="1" noChangeAspect="1"/>
+          </p:cNvPicPr>
           <p:nvPr>
             <p:ph sz="half" idx="2"/>
           </p:nvPr>
-        </p:nvSpPr>
-        <p:spPr/>
-        <p:txBody>
-          <a:bodyPr/>
-          <a:lstStyle/>
-          <a:p>
-            <a:endParaRPr lang="en-IN"/>
-          </a:p>
-        </p:txBody>
-      </p:sp>
+        </p:nvPicPr>
+        <p:blipFill>
+          <a:blip r:embed="rId2">
+            <a:extLst>
+              <a:ext uri="{28A0092B-C50C-407E-A947-70E740481C1C}">
+                <a14:useLocalDpi xmlns:a14="http://schemas.microsoft.com/office/drawing/2010/main" val="0"/>
+              </a:ext>
+            </a:extLst>
+          </a:blip>
+          <a:stretch>
+            <a:fillRect/>
+          </a:stretch>
+        </p:blipFill>
+        <p:spPr>
+          <a:xfrm>
+            <a:off x="7368466" y="2381558"/>
+            <a:ext cx="3364638" cy="4329962"/>
+          </a:xfrm>
+        </p:spPr>
+      </p:pic>
     </p:spTree>
     <p:extLst>
       <p:ext uri="{BB962C8B-B14F-4D97-AF65-F5344CB8AC3E}">
@@ -20238,7 +20553,7 @@
           <a:lstStyle/>
           <a:p>
             <a:r>
-              <a:rPr lang="en-US" dirty="0" err="1"/>
+              <a:rPr lang="en-US" dirty="0"/>
               <a:t>forecast.datelocation</a:t>
             </a:r>
             <a:endParaRPr lang="en-IN" dirty="0"/>
@@ -20305,33 +20620,41 @@
           </a:p>
         </p:txBody>
       </p:sp>
-      <p:sp>
-        <p:nvSpPr>
-          <p:cNvPr id="4" name="Content Placeholder 3">
+      <p:pic>
+        <p:nvPicPr>
+          <p:cNvPr id="6" name="Content Placeholder 5">
             <a:extLst>
               <a:ext uri="{FF2B5EF4-FFF2-40B4-BE49-F238E27FC236}">
-                <a16:creationId xmlns:a16="http://schemas.microsoft.com/office/drawing/2014/main" id="{FDFCEC14-6B6B-4193-9DC5-2BE87C9E8A5E}"/>
+                <a16:creationId xmlns:a16="http://schemas.microsoft.com/office/drawing/2014/main" id="{3300CEA3-CDD4-4109-8EFA-1B651D76CE09}"/>
               </a:ext>
             </a:extLst>
           </p:cNvPr>
-          <p:cNvSpPr>
-            <a:spLocks noGrp="1"/>
-          </p:cNvSpPr>
+          <p:cNvPicPr>
+            <a:picLocks noGrp="1" noChangeAspect="1"/>
+          </p:cNvPicPr>
           <p:nvPr>
             <p:ph sz="half" idx="2"/>
           </p:nvPr>
-        </p:nvSpPr>
-        <p:spPr/>
-        <p:txBody>
-          <a:bodyPr>
-            <a:normAutofit/>
-          </a:bodyPr>
-          <a:lstStyle/>
-          <a:p>
-            <a:endParaRPr lang="en-IN" dirty="0"/>
-          </a:p>
-        </p:txBody>
-      </p:sp>
+        </p:nvPicPr>
+        <p:blipFill>
+          <a:blip r:embed="rId2">
+            <a:extLst>
+              <a:ext uri="{28A0092B-C50C-407E-A947-70E740481C1C}">
+                <a14:useLocalDpi xmlns:a14="http://schemas.microsoft.com/office/drawing/2010/main" val="0"/>
+              </a:ext>
+            </a:extLst>
+          </a:blip>
+          <a:stretch>
+            <a:fillRect/>
+          </a:stretch>
+        </p:blipFill>
+        <p:spPr>
+          <a:xfrm>
+            <a:off x="6755907" y="2559921"/>
+            <a:ext cx="4065973" cy="3991799"/>
+          </a:xfrm>
+        </p:spPr>
+      </p:pic>
     </p:spTree>
     <p:extLst>
       <p:ext uri="{BB962C8B-B14F-4D97-AF65-F5344CB8AC3E}">
@@ -20346,6 +20669,267 @@
 </file>
 
 <file path=ppt/slides/slide12.xml><?xml version="1.0" encoding="utf-8"?>
+<p:sld xmlns:a="http://schemas.openxmlformats.org/drawingml/2006/main" xmlns:r="http://schemas.openxmlformats.org/officeDocument/2006/relationships" xmlns:p="http://schemas.openxmlformats.org/presentationml/2006/main">
+  <p:cSld>
+    <p:spTree>
+      <p:nvGrpSpPr>
+        <p:cNvPr id="1" name=""/>
+        <p:cNvGrpSpPr/>
+        <p:nvPr/>
+      </p:nvGrpSpPr>
+      <p:grpSpPr>
+        <a:xfrm>
+          <a:off x="0" y="0"/>
+          <a:ext cx="0" cy="0"/>
+          <a:chOff x="0" y="0"/>
+          <a:chExt cx="0" cy="0"/>
+        </a:xfrm>
+      </p:grpSpPr>
+      <p:sp>
+        <p:nvSpPr>
+          <p:cNvPr id="2" name="Title 1">
+            <a:extLst>
+              <a:ext uri="{FF2B5EF4-FFF2-40B4-BE49-F238E27FC236}">
+                <a16:creationId xmlns:a16="http://schemas.microsoft.com/office/drawing/2014/main" id="{B8D9925A-9F10-4163-B0BC-20DFBC2EAAB0}"/>
+              </a:ext>
+            </a:extLst>
+          </p:cNvPr>
+          <p:cNvSpPr>
+            <a:spLocks noGrp="1"/>
+          </p:cNvSpPr>
+          <p:nvPr>
+            <p:ph type="title"/>
+          </p:nvPr>
+        </p:nvSpPr>
+        <p:spPr/>
+        <p:txBody>
+          <a:bodyPr/>
+          <a:lstStyle/>
+          <a:p>
+            <a:r>
+              <a:rPr lang="en-US" dirty="0"/>
+              <a:t>aqi.location</a:t>
+            </a:r>
+            <a:endParaRPr lang="en-IN" dirty="0"/>
+          </a:p>
+        </p:txBody>
+      </p:sp>
+      <p:sp>
+        <p:nvSpPr>
+          <p:cNvPr id="3" name="Content Placeholder 2">
+            <a:extLst>
+              <a:ext uri="{FF2B5EF4-FFF2-40B4-BE49-F238E27FC236}">
+                <a16:creationId xmlns:a16="http://schemas.microsoft.com/office/drawing/2014/main" id="{C07D1F7A-2EE3-45A9-BA1D-CEAA79DF1406}"/>
+              </a:ext>
+            </a:extLst>
+          </p:cNvPr>
+          <p:cNvSpPr>
+            <a:spLocks noGrp="1"/>
+          </p:cNvSpPr>
+          <p:nvPr>
+            <p:ph sz="half" idx="1"/>
+          </p:nvPr>
+        </p:nvSpPr>
+        <p:spPr/>
+        <p:txBody>
+          <a:bodyPr/>
+          <a:lstStyle/>
+          <a:p>
+            <a:pPr marL="0" indent="0">
+              <a:buNone/>
+            </a:pPr>
+            <a:r>
+              <a:rPr lang="en-US" sz="3200" dirty="0">
+                <a:latin typeface="Agency FB" panose="020B0503020202020204" pitchFamily="34" charset="0"/>
+              </a:rPr>
+              <a:t>On sending this command, mausam will let you know details of the air quality of the location.</a:t>
+            </a:r>
+          </a:p>
+          <a:p>
+            <a:pPr marL="0" indent="0">
+              <a:buNone/>
+            </a:pPr>
+            <a:endParaRPr lang="en-IN" dirty="0"/>
+          </a:p>
+        </p:txBody>
+      </p:sp>
+      <p:pic>
+        <p:nvPicPr>
+          <p:cNvPr id="6" name="Content Placeholder 5">
+            <a:extLst>
+              <a:ext uri="{FF2B5EF4-FFF2-40B4-BE49-F238E27FC236}">
+                <a16:creationId xmlns:a16="http://schemas.microsoft.com/office/drawing/2014/main" id="{DEB929B8-0C3B-4D9B-8624-54B80EFF1EC5}"/>
+              </a:ext>
+            </a:extLst>
+          </p:cNvPr>
+          <p:cNvPicPr>
+            <a:picLocks noGrp="1" noChangeAspect="1"/>
+          </p:cNvPicPr>
+          <p:nvPr>
+            <p:ph sz="half" idx="2"/>
+          </p:nvPr>
+        </p:nvPicPr>
+        <p:blipFill>
+          <a:blip r:embed="rId2">
+            <a:extLst>
+              <a:ext uri="{28A0092B-C50C-407E-A947-70E740481C1C}">
+                <a14:useLocalDpi xmlns:a14="http://schemas.microsoft.com/office/drawing/2010/main" val="0"/>
+              </a:ext>
+            </a:extLst>
+          </a:blip>
+          <a:stretch>
+            <a:fillRect/>
+          </a:stretch>
+        </p:blipFill>
+        <p:spPr>
+          <a:xfrm>
+            <a:off x="6208712" y="3012970"/>
+            <a:ext cx="5199093" cy="3416301"/>
+          </a:xfrm>
+        </p:spPr>
+      </p:pic>
+    </p:spTree>
+    <p:extLst>
+      <p:ext uri="{BB962C8B-B14F-4D97-AF65-F5344CB8AC3E}">
+        <p14:creationId xmlns:p14="http://schemas.microsoft.com/office/powerpoint/2010/main" val="1280169979"/>
+      </p:ext>
+    </p:extLst>
+  </p:cSld>
+  <p:clrMapOvr>
+    <a:masterClrMapping/>
+  </p:clrMapOvr>
+</p:sld>
+</file>
+
+<file path=ppt/slides/slide13.xml><?xml version="1.0" encoding="utf-8"?>
+<p:sld xmlns:a="http://schemas.openxmlformats.org/drawingml/2006/main" xmlns:r="http://schemas.openxmlformats.org/officeDocument/2006/relationships" xmlns:p="http://schemas.openxmlformats.org/presentationml/2006/main">
+  <p:cSld>
+    <p:spTree>
+      <p:nvGrpSpPr>
+        <p:cNvPr id="1" name=""/>
+        <p:cNvGrpSpPr/>
+        <p:nvPr/>
+      </p:nvGrpSpPr>
+      <p:grpSpPr>
+        <a:xfrm>
+          <a:off x="0" y="0"/>
+          <a:ext cx="0" cy="0"/>
+          <a:chOff x="0" y="0"/>
+          <a:chExt cx="0" cy="0"/>
+        </a:xfrm>
+      </p:grpSpPr>
+      <p:sp>
+        <p:nvSpPr>
+          <p:cNvPr id="2" name="Title 1">
+            <a:extLst>
+              <a:ext uri="{FF2B5EF4-FFF2-40B4-BE49-F238E27FC236}">
+                <a16:creationId xmlns:a16="http://schemas.microsoft.com/office/drawing/2014/main" id="{B8D9925A-9F10-4163-B0BC-20DFBC2EAAB0}"/>
+              </a:ext>
+            </a:extLst>
+          </p:cNvPr>
+          <p:cNvSpPr>
+            <a:spLocks noGrp="1"/>
+          </p:cNvSpPr>
+          <p:nvPr>
+            <p:ph type="title"/>
+          </p:nvPr>
+        </p:nvSpPr>
+        <p:spPr/>
+        <p:txBody>
+          <a:bodyPr/>
+          <a:lstStyle/>
+          <a:p>
+            <a:r>
+              <a:rPr lang="en-US" dirty="0"/>
+              <a:t>val.aqi</a:t>
+            </a:r>
+            <a:endParaRPr lang="en-IN" dirty="0"/>
+          </a:p>
+        </p:txBody>
+      </p:sp>
+      <p:sp>
+        <p:nvSpPr>
+          <p:cNvPr id="3" name="Content Placeholder 2">
+            <a:extLst>
+              <a:ext uri="{FF2B5EF4-FFF2-40B4-BE49-F238E27FC236}">
+                <a16:creationId xmlns:a16="http://schemas.microsoft.com/office/drawing/2014/main" id="{C07D1F7A-2EE3-45A9-BA1D-CEAA79DF1406}"/>
+              </a:ext>
+            </a:extLst>
+          </p:cNvPr>
+          <p:cNvSpPr>
+            <a:spLocks noGrp="1"/>
+          </p:cNvSpPr>
+          <p:nvPr>
+            <p:ph sz="half" idx="1"/>
+          </p:nvPr>
+        </p:nvSpPr>
+        <p:spPr/>
+        <p:txBody>
+          <a:bodyPr/>
+          <a:lstStyle/>
+          <a:p>
+            <a:pPr marL="0" indent="0">
+              <a:buNone/>
+            </a:pPr>
+            <a:r>
+              <a:rPr lang="en-US" sz="3200" dirty="0">
+                <a:latin typeface="Agency FB" panose="020B0503020202020204" pitchFamily="34" charset="0"/>
+              </a:rPr>
+              <a:t>On sending this command, mausam will let you know the various ranges of AQI and what their effect is!</a:t>
+            </a:r>
+            <a:endParaRPr lang="en-IN" dirty="0"/>
+          </a:p>
+        </p:txBody>
+      </p:sp>
+      <p:pic>
+        <p:nvPicPr>
+          <p:cNvPr id="8" name="Content Placeholder 7">
+            <a:extLst>
+              <a:ext uri="{FF2B5EF4-FFF2-40B4-BE49-F238E27FC236}">
+                <a16:creationId xmlns:a16="http://schemas.microsoft.com/office/drawing/2014/main" id="{D3E051D7-6965-4E87-BF97-21AE52AD4FA6}"/>
+              </a:ext>
+            </a:extLst>
+          </p:cNvPr>
+          <p:cNvPicPr>
+            <a:picLocks noGrp="1" noChangeAspect="1"/>
+          </p:cNvPicPr>
+          <p:nvPr>
+            <p:ph sz="half" idx="2"/>
+          </p:nvPr>
+        </p:nvPicPr>
+        <p:blipFill>
+          <a:blip r:embed="rId2">
+            <a:extLst>
+              <a:ext uri="{28A0092B-C50C-407E-A947-70E740481C1C}">
+                <a14:useLocalDpi xmlns:a14="http://schemas.microsoft.com/office/drawing/2010/main" val="0"/>
+              </a:ext>
+            </a:extLst>
+          </a:blip>
+          <a:stretch>
+            <a:fillRect/>
+          </a:stretch>
+        </p:blipFill>
+        <p:spPr>
+          <a:xfrm>
+            <a:off x="7129539" y="2603500"/>
+            <a:ext cx="3461521" cy="4010364"/>
+          </a:xfrm>
+        </p:spPr>
+      </p:pic>
+    </p:spTree>
+    <p:extLst>
+      <p:ext uri="{BB962C8B-B14F-4D97-AF65-F5344CB8AC3E}">
+        <p14:creationId xmlns:p14="http://schemas.microsoft.com/office/powerpoint/2010/main" val="2017110713"/>
+      </p:ext>
+    </p:extLst>
+  </p:cSld>
+  <p:clrMapOvr>
+    <a:masterClrMapping/>
+  </p:clrMapOvr>
+</p:sld>
+</file>
+
+<file path=ppt/slides/slide14.xml><?xml version="1.0" encoding="utf-8"?>
 <p:sld xmlns:a="http://schemas.openxmlformats.org/drawingml/2006/main" xmlns:r="http://schemas.openxmlformats.org/officeDocument/2006/relationships" xmlns:p="http://schemas.openxmlformats.org/presentationml/2006/main">
   <p:cSld>
     <p:spTree>
@@ -20432,17 +21016,8 @@
               <a:rPr lang="en-US" sz="2800" dirty="0">
                 <a:latin typeface="Agency FB" panose="020B0503020202020204" pitchFamily="34" charset="0"/>
               </a:rPr>
-              <a:t>If there are no alerts, it will simply show not alerts for </a:t>
+              <a:t>If there are no alerts, it will simply give you a No Alert response.</a:t>
             </a:r>
-            <a:r>
-              <a:rPr lang="en-US" sz="2800">
-                <a:latin typeface="Agency FB" panose="020B0503020202020204" pitchFamily="34" charset="0"/>
-              </a:rPr>
-              <a:t>that region.</a:t>
-            </a:r>
-            <a:endParaRPr lang="en-US" sz="2800" dirty="0">
-              <a:latin typeface="Agency FB" panose="020B0503020202020204" pitchFamily="34" charset="0"/>
-            </a:endParaRPr>
           </a:p>
           <a:p>
             <a:pPr marL="0" indent="0">
@@ -20460,31 +21035,41 @@
           </a:p>
         </p:txBody>
       </p:sp>
-      <p:sp>
-        <p:nvSpPr>
-          <p:cNvPr id="4" name="Content Placeholder 3">
+      <p:pic>
+        <p:nvPicPr>
+          <p:cNvPr id="6" name="Content Placeholder 5">
             <a:extLst>
               <a:ext uri="{FF2B5EF4-FFF2-40B4-BE49-F238E27FC236}">
-                <a16:creationId xmlns:a16="http://schemas.microsoft.com/office/drawing/2014/main" id="{0F0FF8CB-850D-40B4-B8D3-9EF39BC897E8}"/>
+                <a16:creationId xmlns:a16="http://schemas.microsoft.com/office/drawing/2014/main" id="{1DB1F283-7A93-44BE-81C0-7ACB147BE813}"/>
               </a:ext>
             </a:extLst>
           </p:cNvPr>
-          <p:cNvSpPr>
-            <a:spLocks noGrp="1"/>
-          </p:cNvSpPr>
+          <p:cNvPicPr>
+            <a:picLocks noGrp="1" noChangeAspect="1"/>
+          </p:cNvPicPr>
           <p:nvPr>
             <p:ph sz="half" idx="2"/>
           </p:nvPr>
-        </p:nvSpPr>
-        <p:spPr/>
-        <p:txBody>
-          <a:bodyPr/>
-          <a:lstStyle/>
-          <a:p>
-            <a:endParaRPr lang="en-IN"/>
-          </a:p>
-        </p:txBody>
-      </p:sp>
+        </p:nvPicPr>
+        <p:blipFill>
+          <a:blip r:embed="rId2">
+            <a:extLst>
+              <a:ext uri="{28A0092B-C50C-407E-A947-70E740481C1C}">
+                <a14:useLocalDpi xmlns:a14="http://schemas.microsoft.com/office/drawing/2010/main" val="0"/>
+              </a:ext>
+            </a:extLst>
+          </a:blip>
+          <a:stretch>
+            <a:fillRect/>
+          </a:stretch>
+        </p:blipFill>
+        <p:spPr>
+          <a:xfrm>
+            <a:off x="6841494" y="2947386"/>
+            <a:ext cx="4195551" cy="2574525"/>
+          </a:xfrm>
+        </p:spPr>
+      </p:pic>
     </p:spTree>
     <p:extLst>
       <p:ext uri="{BB962C8B-B14F-4D97-AF65-F5344CB8AC3E}">
@@ -20498,142 +21083,7 @@
 </p:sld>
 </file>
 
-<file path=ppt/slides/slide13.xml><?xml version="1.0" encoding="utf-8"?>
-<p:sld xmlns:a="http://schemas.openxmlformats.org/drawingml/2006/main" xmlns:r="http://schemas.openxmlformats.org/officeDocument/2006/relationships" xmlns:p="http://schemas.openxmlformats.org/presentationml/2006/main">
-  <p:cSld>
-    <p:spTree>
-      <p:nvGrpSpPr>
-        <p:cNvPr id="1" name=""/>
-        <p:cNvGrpSpPr/>
-        <p:nvPr/>
-      </p:nvGrpSpPr>
-      <p:grpSpPr>
-        <a:xfrm>
-          <a:off x="0" y="0"/>
-          <a:ext cx="0" cy="0"/>
-          <a:chOff x="0" y="0"/>
-          <a:chExt cx="0" cy="0"/>
-        </a:xfrm>
-      </p:grpSpPr>
-      <p:sp>
-        <p:nvSpPr>
-          <p:cNvPr id="2" name="Title 1">
-            <a:extLst>
-              <a:ext uri="{FF2B5EF4-FFF2-40B4-BE49-F238E27FC236}">
-                <a16:creationId xmlns:a16="http://schemas.microsoft.com/office/drawing/2014/main" id="{B8D9925A-9F10-4163-B0BC-20DFBC2EAAB0}"/>
-              </a:ext>
-            </a:extLst>
-          </p:cNvPr>
-          <p:cNvSpPr>
-            <a:spLocks noGrp="1"/>
-          </p:cNvSpPr>
-          <p:nvPr>
-            <p:ph type="title"/>
-          </p:nvPr>
-        </p:nvSpPr>
-        <p:spPr/>
-        <p:txBody>
-          <a:bodyPr/>
-          <a:lstStyle/>
-          <a:p>
-            <a:r>
-              <a:rPr lang="en-US" dirty="0"/>
-              <a:t>aqi.location</a:t>
-            </a:r>
-            <a:endParaRPr lang="en-IN" dirty="0"/>
-          </a:p>
-        </p:txBody>
-      </p:sp>
-      <p:sp>
-        <p:nvSpPr>
-          <p:cNvPr id="3" name="Content Placeholder 2">
-            <a:extLst>
-              <a:ext uri="{FF2B5EF4-FFF2-40B4-BE49-F238E27FC236}">
-                <a16:creationId xmlns:a16="http://schemas.microsoft.com/office/drawing/2014/main" id="{C07D1F7A-2EE3-45A9-BA1D-CEAA79DF1406}"/>
-              </a:ext>
-            </a:extLst>
-          </p:cNvPr>
-          <p:cNvSpPr>
-            <a:spLocks noGrp="1"/>
-          </p:cNvSpPr>
-          <p:nvPr>
-            <p:ph sz="half" idx="1"/>
-          </p:nvPr>
-        </p:nvSpPr>
-        <p:spPr/>
-        <p:txBody>
-          <a:bodyPr/>
-          <a:lstStyle/>
-          <a:p>
-            <a:pPr marL="0" indent="0">
-              <a:buNone/>
-            </a:pPr>
-            <a:r>
-              <a:rPr lang="en-US" sz="3200" dirty="0">
-                <a:latin typeface="Agency FB" panose="020B0503020202020204" pitchFamily="34" charset="0"/>
-              </a:rPr>
-              <a:t>On sending this command, </a:t>
-            </a:r>
-            <a:r>
-              <a:rPr lang="en-US" sz="3200" dirty="0" err="1">
-                <a:latin typeface="Agency FB" panose="020B0503020202020204" pitchFamily="34" charset="0"/>
-              </a:rPr>
-              <a:t>mausam</a:t>
-            </a:r>
-            <a:r>
-              <a:rPr lang="en-US" sz="3200" dirty="0">
-                <a:latin typeface="Agency FB" panose="020B0503020202020204" pitchFamily="34" charset="0"/>
-              </a:rPr>
-              <a:t> will let you know details of the air quality of the location.</a:t>
-            </a:r>
-          </a:p>
-          <a:p>
-            <a:pPr marL="0" indent="0">
-              <a:buNone/>
-            </a:pPr>
-            <a:endParaRPr lang="en-IN" dirty="0"/>
-          </a:p>
-        </p:txBody>
-      </p:sp>
-      <p:sp>
-        <p:nvSpPr>
-          <p:cNvPr id="4" name="Content Placeholder 3">
-            <a:extLst>
-              <a:ext uri="{FF2B5EF4-FFF2-40B4-BE49-F238E27FC236}">
-                <a16:creationId xmlns:a16="http://schemas.microsoft.com/office/drawing/2014/main" id="{B9A97843-D9E7-49E9-B03C-557DF0CDF128}"/>
-              </a:ext>
-            </a:extLst>
-          </p:cNvPr>
-          <p:cNvSpPr>
-            <a:spLocks noGrp="1"/>
-          </p:cNvSpPr>
-          <p:nvPr>
-            <p:ph sz="half" idx="2"/>
-          </p:nvPr>
-        </p:nvSpPr>
-        <p:spPr/>
-        <p:txBody>
-          <a:bodyPr/>
-          <a:lstStyle/>
-          <a:p>
-            <a:endParaRPr lang="en-IN"/>
-          </a:p>
-        </p:txBody>
-      </p:sp>
-    </p:spTree>
-    <p:extLst>
-      <p:ext uri="{BB962C8B-B14F-4D97-AF65-F5344CB8AC3E}">
-        <p14:creationId xmlns:p14="http://schemas.microsoft.com/office/powerpoint/2010/main" val="1280169979"/>
-      </p:ext>
-    </p:extLst>
-  </p:cSld>
-  <p:clrMapOvr>
-    <a:masterClrMapping/>
-  </p:clrMapOvr>
-</p:sld>
-</file>
-
-<file path=ppt/slides/slide14.xml><?xml version="1.0" encoding="utf-8"?>
+<file path=ppt/slides/slide15.xml><?xml version="1.0" encoding="utf-8"?>
 <p:sld xmlns:a="http://schemas.openxmlformats.org/drawingml/2006/main" xmlns:r="http://schemas.openxmlformats.org/officeDocument/2006/relationships" xmlns:p="http://schemas.openxmlformats.org/presentationml/2006/main">
   <p:cSld>
     <p:spTree>
@@ -20710,7 +21160,7 @@
           <a:p>
             <a:r>
               <a:rPr lang="en-US" sz="3200" dirty="0"/>
-              <a:t>This would increase the utility of this bot and.</a:t>
+              <a:t>This would increase the utility of this bot.</a:t>
             </a:r>
             <a:endParaRPr lang="en-IN" sz="3200" dirty="0"/>
           </a:p>
@@ -20729,7 +21179,7 @@
 </p:sld>
 </file>
 
-<file path=ppt/slides/slide15.xml><?xml version="1.0" encoding="utf-8"?>
+<file path=ppt/slides/slide16.xml><?xml version="1.0" encoding="utf-8"?>
 <p:sld xmlns:a="http://schemas.openxmlformats.org/drawingml/2006/main" xmlns:r="http://schemas.openxmlformats.org/officeDocument/2006/relationships" xmlns:p="http://schemas.openxmlformats.org/presentationml/2006/main">
   <p:cSld>
     <p:spTree>
@@ -20880,7 +21330,7 @@
 </p:sld>
 </file>
 
-<file path=ppt/slides/slide16.xml><?xml version="1.0" encoding="utf-8"?>
+<file path=ppt/slides/slide17.xml><?xml version="1.0" encoding="utf-8"?>
 <p:sld xmlns:a="http://schemas.openxmlformats.org/drawingml/2006/main" xmlns:r="http://schemas.openxmlformats.org/officeDocument/2006/relationships" xmlns:p="http://schemas.openxmlformats.org/presentationml/2006/main">
   <p:cSld>
     <p:spTree>
@@ -21331,10 +21781,10 @@
       </p:sp>
       <p:pic>
         <p:nvPicPr>
-          <p:cNvPr id="6" name="Content Placeholder 5">
+          <p:cNvPr id="8" name="Content Placeholder 7">
             <a:extLst>
               <a:ext uri="{FF2B5EF4-FFF2-40B4-BE49-F238E27FC236}">
-                <a16:creationId xmlns:a16="http://schemas.microsoft.com/office/drawing/2014/main" id="{58F06A4A-286A-4790-A209-61D6ABC4A5B7}"/>
+                <a16:creationId xmlns:a16="http://schemas.microsoft.com/office/drawing/2014/main" id="{B54E679A-BFF4-4CFE-B8E5-73707D993A7C}"/>
               </a:ext>
             </a:extLst>
           </p:cNvPr>
@@ -21359,8 +21809,8 @@
         </p:blipFill>
         <p:spPr>
           <a:xfrm>
-            <a:off x="6362699" y="2305876"/>
-            <a:ext cx="4791075" cy="4264025"/>
+            <a:off x="6957270" y="2603499"/>
+            <a:ext cx="4079776" cy="3807685"/>
           </a:xfrm>
         </p:spPr>
       </p:pic>
@@ -21506,19 +21956,7 @@
               <a:rPr lang="en-US" sz="2400" dirty="0">
                 <a:latin typeface="Agency FB" panose="020B0503020202020204" pitchFamily="34" charset="0"/>
               </a:rPr>
-              <a:t>Want to know air quality and if its safe to go outside? This bot gives you </a:t>
-            </a:r>
-            <a:r>
-              <a:rPr lang="en-US" sz="2400" dirty="0" err="1">
-                <a:latin typeface="Agency FB" panose="020B0503020202020204" pitchFamily="34" charset="0"/>
-              </a:rPr>
-              <a:t>aqi</a:t>
-            </a:r>
-            <a:r>
-              <a:rPr lang="en-US" sz="2400" dirty="0">
-                <a:latin typeface="Agency FB" panose="020B0503020202020204" pitchFamily="34" charset="0"/>
-              </a:rPr>
-              <a:t> related information.</a:t>
+              <a:t>Want to know air quality and if its safe to go outside? This bot gives you AQI related information.</a:t>
             </a:r>
           </a:p>
           <a:p>
@@ -21530,7 +21968,7 @@
               <a:rPr lang="en-US" sz="2400" dirty="0">
                 <a:latin typeface="Agency FB" panose="020B0503020202020204" pitchFamily="34" charset="0"/>
               </a:rPr>
-              <a:t>Planning a trip to a place with your travel squad on discord and want to know the weather details there? This is the perfect bot for your travel squad server!</a:t>
+              <a:t>Planning a trip to a place with your travel squad on discord and want to know the weather forecast there? This is the perfect bot for your travel squad server!</a:t>
             </a:r>
           </a:p>
           <a:p>
@@ -21921,7 +22359,7 @@
           <a:p>
             <a:r>
               <a:rPr lang="en-US" dirty="0"/>
-              <a:t>!commands</a:t>
+              <a:t>mausam_bot.intro</a:t>
             </a:r>
             <a:endParaRPr lang="en-IN" dirty="0"/>
           </a:p>
@@ -21951,7 +22389,7 @@
         </p:spPr>
         <p:txBody>
           <a:bodyPr>
-            <a:normAutofit/>
+            <a:normAutofit lnSpcReduction="10000"/>
           </a:bodyPr>
           <a:lstStyle/>
           <a:p>
@@ -21973,19 +22411,7 @@
               <a:rPr lang="en-US" sz="2800" dirty="0">
                 <a:latin typeface="Agency FB" panose="020B0503020202020204" pitchFamily="34" charset="0"/>
               </a:rPr>
-              <a:t>On the left side you can see the message sent by </a:t>
-            </a:r>
-            <a:r>
-              <a:rPr lang="en-US" sz="2800" dirty="0" err="1">
-                <a:latin typeface="Agency FB" panose="020B0503020202020204" pitchFamily="34" charset="0"/>
-              </a:rPr>
-              <a:t>mausam</a:t>
-            </a:r>
-            <a:r>
-              <a:rPr lang="en-US" sz="2800" dirty="0">
-                <a:latin typeface="Agency FB" panose="020B0503020202020204" pitchFamily="34" charset="0"/>
-              </a:rPr>
-              <a:t> on this command.</a:t>
+              <a:t>On the right side you can see the message sent by mausam on this command.</a:t>
             </a:r>
           </a:p>
           <a:p>
@@ -22018,39 +22444,47 @@
             </a:pPr>
             <a:r>
               <a:rPr lang="en-US" sz="1200" dirty="0"/>
-              <a:t>*Make sure you don’t add anything else after !commands*</a:t>
+              <a:t>*Make sure you don’t add anything else after mausam_bot.intro*</a:t>
             </a:r>
             <a:endParaRPr lang="en-IN" sz="1200" dirty="0"/>
           </a:p>
         </p:txBody>
       </p:sp>
-      <p:sp>
-        <p:nvSpPr>
-          <p:cNvPr id="4" name="Content Placeholder 3">
+      <p:pic>
+        <p:nvPicPr>
+          <p:cNvPr id="6" name="Content Placeholder 5">
             <a:extLst>
               <a:ext uri="{FF2B5EF4-FFF2-40B4-BE49-F238E27FC236}">
-                <a16:creationId xmlns:a16="http://schemas.microsoft.com/office/drawing/2014/main" id="{67A6D467-2483-4B22-871A-09D2C4BAA0E1}"/>
+                <a16:creationId xmlns:a16="http://schemas.microsoft.com/office/drawing/2014/main" id="{FB90A71B-E1A3-4A6C-BBA5-1034D2D5BA92}"/>
               </a:ext>
             </a:extLst>
           </p:cNvPr>
-          <p:cNvSpPr>
-            <a:spLocks noGrp="1"/>
-          </p:cNvSpPr>
+          <p:cNvPicPr>
+            <a:picLocks noGrp="1" noChangeAspect="1"/>
+          </p:cNvPicPr>
           <p:nvPr>
             <p:ph sz="half" idx="2"/>
           </p:nvPr>
-        </p:nvSpPr>
-        <p:spPr/>
-        <p:txBody>
-          <a:bodyPr>
-            <a:normAutofit/>
-          </a:bodyPr>
-          <a:lstStyle/>
-          <a:p>
-            <a:endParaRPr lang="en-IN"/>
-          </a:p>
-        </p:txBody>
-      </p:sp>
+        </p:nvPicPr>
+        <p:blipFill>
+          <a:blip r:embed="rId2">
+            <a:extLst>
+              <a:ext uri="{28A0092B-C50C-407E-A947-70E740481C1C}">
+                <a14:useLocalDpi xmlns:a14="http://schemas.microsoft.com/office/drawing/2010/main" val="0"/>
+              </a:ext>
+            </a:extLst>
+          </a:blip>
+          <a:stretch>
+            <a:fillRect/>
+          </a:stretch>
+        </p:blipFill>
+        <p:spPr>
+          <a:xfrm>
+            <a:off x="6685687" y="2388093"/>
+            <a:ext cx="4481721" cy="4039339"/>
+          </a:xfrm>
+        </p:spPr>
+      </p:pic>
     </p:spTree>
     <p:extLst>
       <p:ext uri="{BB962C8B-B14F-4D97-AF65-F5344CB8AC3E}">
@@ -22134,7 +22568,7 @@
         </p:spPr>
         <p:txBody>
           <a:bodyPr>
-            <a:normAutofit/>
+            <a:normAutofit lnSpcReduction="10000"/>
           </a:bodyPr>
           <a:lstStyle/>
           <a:p>
@@ -22145,7 +22579,7 @@
               <a:rPr lang="en-US" sz="2800" dirty="0">
                 <a:latin typeface="Agency FB" panose="020B0503020202020204" pitchFamily="34" charset="0"/>
               </a:rPr>
-              <a:t>On sending this command, Mausam will tell you the present day weather details of the location you have asked for.</a:t>
+              <a:t>On sending this command, Mausam will tell you the present day weather details of the location(a city name) you have asked for.</a:t>
             </a:r>
           </a:p>
           <a:p>
@@ -22198,33 +22632,41 @@
           </a:p>
         </p:txBody>
       </p:sp>
-      <p:sp>
-        <p:nvSpPr>
-          <p:cNvPr id="4" name="Content Placeholder 3">
+      <p:pic>
+        <p:nvPicPr>
+          <p:cNvPr id="6" name="Content Placeholder 5">
             <a:extLst>
               <a:ext uri="{FF2B5EF4-FFF2-40B4-BE49-F238E27FC236}">
-                <a16:creationId xmlns:a16="http://schemas.microsoft.com/office/drawing/2014/main" id="{957C8859-574E-4683-9F65-67C26A816B7B}"/>
+                <a16:creationId xmlns:a16="http://schemas.microsoft.com/office/drawing/2014/main" id="{04F0D1BE-ED71-478C-AC8D-361015DBB63F}"/>
               </a:ext>
             </a:extLst>
           </p:cNvPr>
-          <p:cNvSpPr>
-            <a:spLocks noGrp="1"/>
-          </p:cNvSpPr>
+          <p:cNvPicPr>
+            <a:picLocks noGrp="1" noChangeAspect="1"/>
+          </p:cNvPicPr>
           <p:nvPr>
             <p:ph sz="half" idx="2"/>
           </p:nvPr>
-        </p:nvSpPr>
-        <p:spPr/>
-        <p:txBody>
-          <a:bodyPr>
-            <a:normAutofit/>
-          </a:bodyPr>
-          <a:lstStyle/>
-          <a:p>
-            <a:endParaRPr lang="en-IN"/>
-          </a:p>
-        </p:txBody>
-      </p:sp>
+        </p:nvPicPr>
+        <p:blipFill>
+          <a:blip r:embed="rId2">
+            <a:extLst>
+              <a:ext uri="{28A0092B-C50C-407E-A947-70E740481C1C}">
+                <a14:useLocalDpi xmlns:a14="http://schemas.microsoft.com/office/drawing/2010/main" val="0"/>
+              </a:ext>
+            </a:extLst>
+          </a:blip>
+          <a:stretch>
+            <a:fillRect/>
+          </a:stretch>
+        </p:blipFill>
+        <p:spPr>
+          <a:xfrm>
+            <a:off x="7189232" y="2389583"/>
+            <a:ext cx="3774689" cy="4135503"/>
+          </a:xfrm>
+        </p:spPr>
+      </p:pic>
     </p:spTree>
     <p:extLst>
       <p:ext uri="{BB962C8B-B14F-4D97-AF65-F5344CB8AC3E}">
